--- a/Content/3. Storage/Azure Storage and Cognitive Services.pptx
+++ b/Content/3. Storage/Azure Storage and Cognitive Services.pptx
@@ -225,7 +225,7 @@
           <a:p>
             <a:fld id="{49B60EF2-7028-489F-85D8-FE86CD7CF2A0}" type="datetimeFigureOut">
               <a:rPr lang="en-US" smtClean="0"/>
-              <a:t>6/7/2016</a:t>
+              <a:t>6/9/2016</a:t>
             </a:fld>
             <a:endParaRPr lang="en-US"/>
           </a:p>
@@ -1016,7 +1016,7 @@
           <a:p>
             <a:fld id="{0459C166-16D3-4A25-A2F8-C51E0E346B22}" type="datetimeFigureOut">
               <a:rPr lang="en-US" smtClean="0"/>
-              <a:t>6/7/2016</a:t>
+              <a:t>6/9/2016</a:t>
             </a:fld>
             <a:endParaRPr lang="en-US"/>
           </a:p>
@@ -1111,7 +1111,7 @@
           <a:p>
             <a:fld id="{0459C166-16D3-4A25-A2F8-C51E0E346B22}" type="datetimeFigureOut">
               <a:rPr lang="en-US" smtClean="0"/>
-              <a:t>6/7/2016</a:t>
+              <a:t>6/9/2016</a:t>
             </a:fld>
             <a:endParaRPr lang="en-US"/>
           </a:p>
@@ -1386,7 +1386,7 @@
           <a:p>
             <a:fld id="{0459C166-16D3-4A25-A2F8-C51E0E346B22}" type="datetimeFigureOut">
               <a:rPr lang="en-US" smtClean="0"/>
-              <a:t>6/7/2016</a:t>
+              <a:t>6/9/2016</a:t>
             </a:fld>
             <a:endParaRPr lang="en-US"/>
           </a:p>
@@ -1638,7 +1638,7 @@
           <a:p>
             <a:fld id="{0459C166-16D3-4A25-A2F8-C51E0E346B22}" type="datetimeFigureOut">
               <a:rPr lang="en-US" smtClean="0"/>
-              <a:t>6/7/2016</a:t>
+              <a:t>6/9/2016</a:t>
             </a:fld>
             <a:endParaRPr lang="en-US"/>
           </a:p>
@@ -1806,7 +1806,7 @@
           <a:p>
             <a:fld id="{0459C166-16D3-4A25-A2F8-C51E0E346B22}" type="datetimeFigureOut">
               <a:rPr lang="en-US" smtClean="0"/>
-              <a:t>6/7/2016</a:t>
+              <a:t>6/9/2016</a:t>
             </a:fld>
             <a:endParaRPr lang="en-US"/>
           </a:p>
@@ -1984,7 +1984,7 @@
           <a:p>
             <a:fld id="{0459C166-16D3-4A25-A2F8-C51E0E346B22}" type="datetimeFigureOut">
               <a:rPr lang="en-US" smtClean="0"/>
-              <a:t>6/7/2016</a:t>
+              <a:t>6/9/2016</a:t>
             </a:fld>
             <a:endParaRPr lang="en-US"/>
           </a:p>
@@ -3911,7 +3911,7 @@
           <a:p>
             <a:fld id="{0459C166-16D3-4A25-A2F8-C51E0E346B22}" type="datetimeFigureOut">
               <a:rPr lang="en-US" smtClean="0"/>
-              <a:t>6/7/2016</a:t>
+              <a:t>6/9/2016</a:t>
             </a:fld>
             <a:endParaRPr lang="en-US"/>
           </a:p>
@@ -9538,7 +9538,7 @@
             <a:fld id="{0459C166-16D3-4A25-A2F8-C51E0E346B22}" type="datetimeFigureOut">
               <a:rPr lang="en-US" smtClean="0"/>
               <a:pPr/>
-              <a:t>6/7/2016</a:t>
+              <a:t>6/9/2016</a:t>
             </a:fld>
             <a:endParaRPr lang="en-US"/>
           </a:p>
@@ -13600,7 +13600,7 @@
           <a:p>
             <a:fld id="{0459C166-16D3-4A25-A2F8-C51E0E346B22}" type="datetimeFigureOut">
               <a:rPr lang="en-US" smtClean="0"/>
-              <a:t>6/7/2016</a:t>
+              <a:t>6/9/2016</a:t>
             </a:fld>
             <a:endParaRPr lang="en-US"/>
           </a:p>
@@ -13964,7 +13964,7 @@
           <a:p>
             <a:fld id="{0459C166-16D3-4A25-A2F8-C51E0E346B22}" type="datetimeFigureOut">
               <a:rPr lang="en-US" smtClean="0"/>
-              <a:t>6/7/2016</a:t>
+              <a:t>6/9/2016</a:t>
             </a:fld>
             <a:endParaRPr lang="en-US"/>
           </a:p>
@@ -14081,7 +14081,7 @@
           <a:p>
             <a:fld id="{0459C166-16D3-4A25-A2F8-C51E0E346B22}" type="datetimeFigureOut">
               <a:rPr lang="en-US" smtClean="0"/>
-              <a:t>6/7/2016</a:t>
+              <a:t>6/9/2016</a:t>
             </a:fld>
             <a:endParaRPr lang="en-US"/>
           </a:p>
@@ -14292,7 +14292,7 @@
           <a:p>
             <a:fld id="{0459C166-16D3-4A25-A2F8-C51E0E346B22}" type="datetimeFigureOut">
               <a:rPr lang="en-US" smtClean="0"/>
-              <a:t>6/7/2016</a:t>
+              <a:t>6/9/2016</a:t>
             </a:fld>
             <a:endParaRPr lang="en-US"/>
           </a:p>
@@ -15731,15 +15731,7 @@
           <a:p>
             <a:r>
               <a:rPr lang="en-US" dirty="0" smtClean="0"/>
-              <a:t>Upload the contents of a local </a:t>
-            </a:r>
-            <a:r>
-              <a:rPr lang="en-US" dirty="0" smtClean="0"/>
-              <a:t>file to </a:t>
-            </a:r>
-            <a:r>
-              <a:rPr lang="en-US" dirty="0" smtClean="0"/>
-              <a:t>the blob</a:t>
+              <a:t>Upload the contents of a local file to the blob</a:t>
             </a:r>
           </a:p>
           <a:p>
@@ -15926,7 +15918,6 @@
               <a:rPr lang="en-US" dirty="0" smtClean="0"/>
               <a:t>");</a:t>
             </a:r>
-            <a:endParaRPr lang="en-US" dirty="0" smtClean="0"/>
           </a:p>
           <a:p>
             <a:endParaRPr lang="en-US" dirty="0"/>
@@ -16036,15 +16027,7 @@
           <a:p>
             <a:r>
               <a:rPr lang="en-US" dirty="0" smtClean="0"/>
-              <a:t>Download the blob </a:t>
-            </a:r>
-            <a:r>
-              <a:rPr lang="en-US" dirty="0" smtClean="0"/>
-              <a:t>and </a:t>
-            </a:r>
-            <a:r>
-              <a:rPr lang="en-US" dirty="0" smtClean="0"/>
-              <a:t>store its contents in a local file</a:t>
+              <a:t>Download the blob and store its contents in a local file</a:t>
             </a:r>
             <a:endParaRPr lang="en-US" dirty="0"/>
           </a:p>
@@ -16221,11 +16204,7 @@
           <a:p>
             <a:r>
               <a:rPr lang="en-US" dirty="0" smtClean="0"/>
-              <a:t>// </a:t>
-            </a:r>
-            <a:r>
-              <a:rPr lang="en-US" dirty="0" smtClean="0"/>
-              <a:t>Download[Range]</a:t>
+              <a:t>// Download[Range]</a:t>
             </a:r>
             <a:r>
               <a:rPr lang="en-US" dirty="0" err="1" smtClean="0"/>
@@ -16636,15 +16615,13 @@
           <a:p>
             <a:r>
               <a:rPr lang="en-US" dirty="0" smtClean="0"/>
-              <a:t>Add metadata properties named "Property1," "Property2," and "Property3" to a blob</a:t>
-            </a:r>
-          </a:p>
-          <a:p>
+              <a:t>Add metadata properties named "Property1," "Property2," and "Property3" to a </a:t>
+            </a:r>
             <a:r>
               <a:rPr lang="en-US" dirty="0" smtClean="0"/>
-              <a:t>Commit them to storage</a:t>
-            </a:r>
-            <a:endParaRPr lang="en-US" dirty="0"/>
+              <a:t>blob</a:t>
+            </a:r>
+            <a:endParaRPr lang="en-US" dirty="0" smtClean="0"/>
           </a:p>
         </p:txBody>
       </p:sp>
@@ -16806,15 +16783,13 @@
           <a:p>
             <a:r>
               <a:rPr lang="en-US" dirty="0" smtClean="0"/>
-              <a:t>Read metadata properties named "Property1," "Property2," and "Property3" from a blob</a:t>
-            </a:r>
-          </a:p>
-          <a:p>
+              <a:t>Read metadata properties named "Property1," "Property2," and "Property3" from a </a:t>
+            </a:r>
             <a:r>
               <a:rPr lang="en-US" dirty="0" smtClean="0"/>
-              <a:t>Default to blob name for properties that are not present</a:t>
-            </a:r>
-            <a:endParaRPr lang="en-US" dirty="0"/>
+              <a:t>blob</a:t>
+            </a:r>
+            <a:endParaRPr lang="en-US" dirty="0" smtClean="0"/>
           </a:p>
         </p:txBody>
       </p:sp>
@@ -16874,13 +16849,71 @@
               <a:t>["Property1"] : </a:t>
             </a:r>
             <a:r>
-              <a:rPr lang="en-US" dirty="0" err="1" smtClean="0"/>
-              <a:t>blob.Name</a:t>
+              <a:rPr lang="en-US" dirty="0" smtClean="0"/>
+              <a:t>null;</a:t>
+            </a:r>
+            <a:endParaRPr lang="en-US" dirty="0" smtClean="0"/>
+          </a:p>
+          <a:p>
+            <a:r>
+              <a:rPr lang="en-US" dirty="0"/>
+              <a:t>string </a:t>
+            </a:r>
+            <a:r>
+              <a:rPr lang="en-US" dirty="0" smtClean="0"/>
+              <a:t>p2 </a:t>
+            </a:r>
+            <a:r>
+              <a:rPr lang="en-US" dirty="0"/>
+              <a:t>= </a:t>
+            </a:r>
+            <a:r>
+              <a:rPr lang="en-US" dirty="0" err="1"/>
+              <a:t>blob.Metadata.ContainsKey</a:t>
+            </a:r>
+            <a:r>
+              <a:rPr lang="en-US" dirty="0"/>
+              <a:t>("</a:t>
+            </a:r>
+            <a:r>
+              <a:rPr lang="en-US" dirty="0" smtClean="0"/>
+              <a:t>Property2") </a:t>
+            </a:r>
+            <a:r>
+              <a:rPr lang="en-US" dirty="0"/>
+              <a:t>?</a:t>
+            </a:r>
+          </a:p>
+          <a:p>
+            <a:r>
+              <a:rPr lang="en-US" dirty="0"/>
+              <a:t>    </a:t>
+            </a:r>
+            <a:r>
+              <a:rPr lang="en-US" dirty="0" err="1"/>
+              <a:t>blob.Metadata</a:t>
+            </a:r>
+            <a:r>
+              <a:rPr lang="en-US" dirty="0"/>
+              <a:t>["</a:t>
+            </a:r>
+            <a:r>
+              <a:rPr lang="en-US" dirty="0" smtClean="0"/>
+              <a:t>Property2"] </a:t>
+            </a:r>
+            <a:r>
+              <a:rPr lang="en-US" dirty="0"/>
+              <a:t>: </a:t>
+            </a:r>
+            <a:r>
+              <a:rPr lang="en-US" dirty="0" smtClean="0"/>
+              <a:t>null</a:t>
             </a:r>
             <a:r>
               <a:rPr lang="en-US" dirty="0" smtClean="0"/>
               <a:t>;</a:t>
             </a:r>
+            <a:endParaRPr lang="en-US" dirty="0"/>
           </a:p>
           <a:p>
             <a:r>
@@ -16889,7 +16922,7 @@
             </a:r>
             <a:r>
               <a:rPr lang="en-US" dirty="0" smtClean="0"/>
-              <a:t>p2 </a:t>
+              <a:t>p3 </a:t>
             </a:r>
             <a:r>
               <a:rPr lang="en-US" dirty="0"/>
@@ -16905,7 +16938,7 @@
             </a:r>
             <a:r>
               <a:rPr lang="en-US" dirty="0" smtClean="0"/>
-              <a:t>Property2") </a:t>
+              <a:t>Property3") </a:t>
             </a:r>
             <a:r>
               <a:rPr lang="en-US" dirty="0"/>
@@ -16927,75 +16960,15 @@
             </a:r>
             <a:r>
               <a:rPr lang="en-US" dirty="0" smtClean="0"/>
-              <a:t>Property2"] </a:t>
+              <a:t>Property3"] </a:t>
             </a:r>
             <a:r>
               <a:rPr lang="en-US" dirty="0"/>
               <a:t>: </a:t>
             </a:r>
             <a:r>
-              <a:rPr lang="en-US" dirty="0" err="1"/>
-              <a:t>blob.Name</a:t>
-            </a:r>
-            <a:r>
-              <a:rPr lang="en-US" dirty="0"/>
-              <a:t>;</a:t>
-            </a:r>
-          </a:p>
-          <a:p>
-            <a:r>
-              <a:rPr lang="en-US" dirty="0"/>
-              <a:t>string </a:t>
-            </a:r>
-            <a:r>
               <a:rPr lang="en-US" dirty="0" smtClean="0"/>
-              <a:t>p3 </a:t>
-            </a:r>
-            <a:r>
-              <a:rPr lang="en-US" dirty="0"/>
-              <a:t>= </a:t>
-            </a:r>
-            <a:r>
-              <a:rPr lang="en-US" dirty="0" err="1"/>
-              <a:t>blob.Metadata.ContainsKey</a:t>
-            </a:r>
-            <a:r>
-              <a:rPr lang="en-US" dirty="0"/>
-              <a:t>("</a:t>
-            </a:r>
-            <a:r>
-              <a:rPr lang="en-US" dirty="0" smtClean="0"/>
-              <a:t>Property3") </a:t>
-            </a:r>
-            <a:r>
-              <a:rPr lang="en-US" dirty="0"/>
-              <a:t>?</a:t>
-            </a:r>
-          </a:p>
-          <a:p>
-            <a:r>
-              <a:rPr lang="en-US" dirty="0"/>
-              <a:t>    </a:t>
-            </a:r>
-            <a:r>
-              <a:rPr lang="en-US" dirty="0" err="1"/>
-              <a:t>blob.Metadata</a:t>
-            </a:r>
-            <a:r>
-              <a:rPr lang="en-US" dirty="0"/>
-              <a:t>["</a:t>
-            </a:r>
-            <a:r>
-              <a:rPr lang="en-US" dirty="0" smtClean="0"/>
-              <a:t>Property3"] </a:t>
-            </a:r>
-            <a:r>
-              <a:rPr lang="en-US" dirty="0"/>
-              <a:t>: </a:t>
-            </a:r>
-            <a:r>
-              <a:rPr lang="en-US" dirty="0" err="1"/>
-              <a:t>blob.Name</a:t>
+              <a:t>null</a:t>
             </a:r>
             <a:r>
               <a:rPr lang="en-US" dirty="0" smtClean="0"/>
@@ -18176,7 +18149,18 @@
           <a:bodyPr/>
           <a:lstStyle/>
           <a:p>
-            <a:endParaRPr lang="en-US"/>
+            <a:r>
+              <a:rPr lang="en-US" dirty="0"/>
+              <a:t>Add metadata properties named "Property1," "Property2," and "Property3" to a </a:t>
+            </a:r>
+            <a:r>
+              <a:rPr lang="en-US" dirty="0" smtClean="0"/>
+              <a:t>blob</a:t>
+            </a:r>
+            <a:endParaRPr lang="en-US" dirty="0"/>
+          </a:p>
+          <a:p>
+            <a:endParaRPr lang="en-US" dirty="0"/>
           </a:p>
         </p:txBody>
       </p:sp>
@@ -18192,10 +18176,190 @@
         </p:nvSpPr>
         <p:spPr/>
         <p:txBody>
-          <a:bodyPr/>
+          <a:bodyPr>
+            <a:normAutofit lnSpcReduction="10000"/>
+          </a:bodyPr>
           <a:lstStyle/>
           <a:p>
-            <a:endParaRPr lang="en-US"/>
+            <a:r>
+              <a:rPr lang="en-US" dirty="0" err="1"/>
+              <a:t>var</a:t>
+            </a:r>
+            <a:r>
+              <a:rPr lang="en-US" dirty="0"/>
+              <a:t> storage = require("azure-storage");</a:t>
+            </a:r>
+          </a:p>
+          <a:p>
+            <a:r>
+              <a:rPr lang="en-US" dirty="0" err="1"/>
+              <a:t>var</a:t>
+            </a:r>
+            <a:r>
+              <a:rPr lang="en-US" dirty="0"/>
+              <a:t> service =</a:t>
+            </a:r>
+          </a:p>
+          <a:p>
+            <a:r>
+              <a:rPr lang="en-US" dirty="0"/>
+              <a:t>    </a:t>
+            </a:r>
+            <a:r>
+              <a:rPr lang="en-US" dirty="0" err="1"/>
+              <a:t>storage.createBlobService</a:t>
+            </a:r>
+            <a:r>
+              <a:rPr lang="en-US" dirty="0"/>
+              <a:t>("</a:t>
+            </a:r>
+            <a:r>
+              <a:rPr lang="en-US" dirty="0" err="1"/>
+              <a:t>connection_string</a:t>
+            </a:r>
+            <a:r>
+              <a:rPr lang="en-US" dirty="0"/>
+              <a:t>");</a:t>
+            </a:r>
+          </a:p>
+          <a:p>
+            <a:endParaRPr lang="en-US" dirty="0" smtClean="0"/>
+          </a:p>
+          <a:p>
+            <a:r>
+              <a:rPr lang="en-US" dirty="0" err="1"/>
+              <a:t>var</a:t>
+            </a:r>
+            <a:r>
+              <a:rPr lang="en-US" dirty="0"/>
+              <a:t> metadata = {</a:t>
+            </a:r>
+          </a:p>
+          <a:p>
+            <a:r>
+              <a:rPr lang="en-US" dirty="0"/>
+              <a:t>    "Property1", </a:t>
+            </a:r>
+            <a:r>
+              <a:rPr lang="en-US" dirty="0" smtClean="0"/>
+              <a:t>"Value1",</a:t>
+            </a:r>
+            <a:endParaRPr lang="en-US" dirty="0"/>
+          </a:p>
+          <a:p>
+            <a:r>
+              <a:rPr lang="en-US" dirty="0" smtClean="0"/>
+              <a:t>    </a:t>
+            </a:r>
+            <a:r>
+              <a:rPr lang="en-US" dirty="0"/>
+              <a:t>"Property1", "</a:t>
+            </a:r>
+            <a:r>
+              <a:rPr lang="en-US" dirty="0" smtClean="0"/>
+              <a:t>Value2",</a:t>
+            </a:r>
+          </a:p>
+          <a:p>
+            <a:r>
+              <a:rPr lang="en-US" dirty="0"/>
+              <a:t> </a:t>
+            </a:r>
+            <a:r>
+              <a:rPr lang="en-US" dirty="0" smtClean="0"/>
+              <a:t>   "</a:t>
+            </a:r>
+            <a:r>
+              <a:rPr lang="en-US" dirty="0"/>
+              <a:t>Property1", "</a:t>
+            </a:r>
+            <a:r>
+              <a:rPr lang="en-US" dirty="0" smtClean="0"/>
+              <a:t>Value3"</a:t>
+            </a:r>
+          </a:p>
+          <a:p>
+            <a:r>
+              <a:rPr lang="en-US" dirty="0" smtClean="0"/>
+              <a:t>};</a:t>
+            </a:r>
+          </a:p>
+          <a:p>
+            <a:endParaRPr lang="en-US" dirty="0"/>
+          </a:p>
+          <a:p>
+            <a:r>
+              <a:rPr lang="en-US" dirty="0" err="1" smtClean="0"/>
+              <a:t>service.setBlobMetaData</a:t>
+            </a:r>
+            <a:r>
+              <a:rPr lang="en-US" dirty="0" smtClean="0"/>
+              <a:t>("</a:t>
+            </a:r>
+            <a:r>
+              <a:rPr lang="en-US" dirty="0" err="1" smtClean="0"/>
+              <a:t>container_name</a:t>
+            </a:r>
+            <a:r>
+              <a:rPr lang="en-US" dirty="0" smtClean="0"/>
+              <a:t>", "</a:t>
+            </a:r>
+            <a:r>
+              <a:rPr lang="en-US" dirty="0" err="1" smtClean="0"/>
+              <a:t>blob_name</a:t>
+            </a:r>
+            <a:r>
+              <a:rPr lang="en-US" dirty="0" smtClean="0"/>
+              <a:t>",</a:t>
+            </a:r>
+          </a:p>
+          <a:p>
+            <a:r>
+              <a:rPr lang="en-US" dirty="0"/>
+              <a:t> </a:t>
+            </a:r>
+            <a:r>
+              <a:rPr lang="en-US" dirty="0" smtClean="0"/>
+              <a:t>   metadata, function(error</a:t>
+            </a:r>
+            <a:r>
+              <a:rPr lang="en-US" dirty="0"/>
+              <a:t>, result, response) {</a:t>
+            </a:r>
+          </a:p>
+          <a:p>
+            <a:r>
+              <a:rPr lang="en-US" dirty="0" smtClean="0"/>
+              <a:t>    if </a:t>
+            </a:r>
+            <a:r>
+              <a:rPr lang="en-US" dirty="0"/>
+              <a:t>(!error) {</a:t>
+            </a:r>
+          </a:p>
+          <a:p>
+            <a:r>
+              <a:rPr lang="en-US" dirty="0" smtClean="0"/>
+              <a:t>        // Succeeded</a:t>
+            </a:r>
+          </a:p>
+          <a:p>
+            <a:r>
+              <a:rPr lang="en-US" dirty="0"/>
+              <a:t> </a:t>
+            </a:r>
+            <a:r>
+              <a:rPr lang="en-US" dirty="0" smtClean="0"/>
+              <a:t>   }</a:t>
+            </a:r>
+            <a:endParaRPr lang="en-US" dirty="0"/>
+          </a:p>
+          <a:p>
+            <a:r>
+              <a:rPr lang="en-US" dirty="0" smtClean="0"/>
+              <a:t>});</a:t>
+            </a:r>
+            <a:endParaRPr lang="en-US" dirty="0"/>
           </a:p>
         </p:txBody>
       </p:sp>
@@ -18756,55 +18920,7 @@
                 <a:latin typeface="Segoe UI Light" panose="020B0502040204020203" pitchFamily="34" charset="0"/>
                 <a:cs typeface="Segoe UI Light" panose="020B0502040204020203" pitchFamily="34" charset="0"/>
               </a:rPr>
-              <a:t>NoSQL </a:t>
-            </a:r>
-            <a:r>
-              <a:rPr lang="en-US" sz="2400" dirty="0" smtClean="0">
-                <a:gradFill>
-                  <a:gsLst>
-                    <a:gs pos="0">
-                      <a:srgbClr val="292929">
-                        <a:lumMod val="90000"/>
-                        <a:lumOff val="10000"/>
-                      </a:srgbClr>
-                    </a:gs>
-                    <a:gs pos="86000">
-                      <a:srgbClr val="292929">
-                        <a:lumMod val="90000"/>
-                        <a:lumOff val="10000"/>
-                      </a:srgbClr>
-                    </a:gs>
-                  </a:gsLst>
-                  <a:lin ang="5400000" scaled="0"/>
-                </a:gradFill>
-                <a:latin typeface="Segoe UI Light" panose="020B0502040204020203" pitchFamily="34" charset="0"/>
-                <a:cs typeface="Segoe UI Light" panose="020B0502040204020203" pitchFamily="34" charset="0"/>
-              </a:rPr>
-              <a:t>data storage rapid </a:t>
-            </a:r>
-            <a:r>
-              <a:rPr lang="en-US" sz="2400" dirty="0" smtClean="0">
-                <a:gradFill>
-                  <a:gsLst>
-                    <a:gs pos="0">
-                      <a:srgbClr val="292929">
-                        <a:lumMod val="90000"/>
-                        <a:lumOff val="10000"/>
-                      </a:srgbClr>
-                    </a:gs>
-                    <a:gs pos="86000">
-                      <a:srgbClr val="292929">
-                        <a:lumMod val="90000"/>
-                        <a:lumOff val="10000"/>
-                      </a:srgbClr>
-                    </a:gs>
-                  </a:gsLst>
-                  <a:lin ang="5400000" scaled="0"/>
-                </a:gradFill>
-                <a:latin typeface="Segoe UI Light" panose="020B0502040204020203" pitchFamily="34" charset="0"/>
-                <a:cs typeface="Segoe UI Light" panose="020B0502040204020203" pitchFamily="34" charset="0"/>
-              </a:rPr>
-              <a:t>development and fast access to large quantities of data</a:t>
+              <a:t>NoSQL data storage rapid development and fast access to large quantities of data</a:t>
             </a:r>
             <a:endParaRPr lang="en-US" sz="2400" dirty="0">
               <a:gradFill>
@@ -19719,7 +19835,15 @@
           <a:bodyPr/>
           <a:lstStyle/>
           <a:p>
-            <a:endParaRPr lang="en-US"/>
+            <a:r>
+              <a:rPr lang="en-US" dirty="0"/>
+              <a:t>Read metadata properties named "Property1," "Property2," and "Property3" from a </a:t>
+            </a:r>
+            <a:r>
+              <a:rPr lang="en-US" dirty="0" smtClean="0"/>
+              <a:t>blob</a:t>
+            </a:r>
+            <a:endParaRPr lang="en-US" dirty="0"/>
           </a:p>
         </p:txBody>
       </p:sp>
@@ -19738,7 +19862,108 @@
           <a:bodyPr/>
           <a:lstStyle/>
           <a:p>
-            <a:endParaRPr lang="en-US"/>
+            <a:r>
+              <a:rPr lang="en-US" dirty="0" err="1"/>
+              <a:t>var</a:t>
+            </a:r>
+            <a:r>
+              <a:rPr lang="en-US" dirty="0"/>
+              <a:t> storage = require("azure-storage");</a:t>
+            </a:r>
+          </a:p>
+          <a:p>
+            <a:r>
+              <a:rPr lang="en-US" dirty="0" err="1"/>
+              <a:t>var</a:t>
+            </a:r>
+            <a:r>
+              <a:rPr lang="en-US" dirty="0"/>
+              <a:t> service =</a:t>
+            </a:r>
+          </a:p>
+          <a:p>
+            <a:r>
+              <a:rPr lang="en-US" dirty="0"/>
+              <a:t>    </a:t>
+            </a:r>
+            <a:r>
+              <a:rPr lang="en-US" dirty="0" err="1"/>
+              <a:t>storage.createBlobService</a:t>
+            </a:r>
+            <a:r>
+              <a:rPr lang="en-US" dirty="0"/>
+              <a:t>("</a:t>
+            </a:r>
+            <a:r>
+              <a:rPr lang="en-US" dirty="0" err="1"/>
+              <a:t>connection_string</a:t>
+            </a:r>
+            <a:r>
+              <a:rPr lang="en-US" dirty="0" smtClean="0"/>
+              <a:t>");</a:t>
+            </a:r>
+          </a:p>
+          <a:p>
+            <a:r>
+              <a:rPr lang="en-US" dirty="0" err="1" smtClean="0"/>
+              <a:t>var</a:t>
+            </a:r>
+            <a:r>
+              <a:rPr lang="en-US" dirty="0" smtClean="0"/>
+              <a:t> </a:t>
+            </a:r>
+            <a:r>
+              <a:rPr lang="en-US" dirty="0"/>
+              <a:t>options = {</a:t>
+            </a:r>
+          </a:p>
+          <a:p>
+            <a:r>
+              <a:rPr lang="en-US" dirty="0" smtClean="0"/>
+              <a:t>    </a:t>
+            </a:r>
+            <a:r>
+              <a:rPr lang="en-US" dirty="0" err="1"/>
+              <a:t>maxResults</a:t>
+            </a:r>
+            <a:r>
+              <a:rPr lang="en-US" dirty="0"/>
+              <a:t>: 5000,</a:t>
+            </a:r>
+          </a:p>
+          <a:p>
+            <a:r>
+              <a:rPr lang="en-US" dirty="0" smtClean="0"/>
+              <a:t>    </a:t>
+            </a:r>
+            <a:r>
+              <a:rPr lang="en-US" dirty="0"/>
+              <a:t>include: "metadata",</a:t>
+            </a:r>
+          </a:p>
+          <a:p>
+            <a:r>
+              <a:rPr lang="en-US" dirty="0" smtClean="0"/>
+              <a:t>};</a:t>
+            </a:r>
+          </a:p>
+          <a:p>
+            <a:endParaRPr lang="en-US" dirty="0"/>
+          </a:p>
+          <a:p>
+            <a:r>
+              <a:rPr lang="en-US" dirty="0" smtClean="0"/>
+              <a:t>// TODO: Add remaining code</a:t>
+            </a:r>
+          </a:p>
+          <a:p>
+            <a:endParaRPr lang="en-US" dirty="0"/>
+          </a:p>
+          <a:p>
+            <a:endParaRPr lang="en-US" dirty="0"/>
+          </a:p>
+          <a:p>
+            <a:endParaRPr lang="en-US" dirty="0"/>
           </a:p>
         </p:txBody>
       </p:sp>
@@ -19934,11 +20159,7 @@
           <a:p>
             <a:r>
               <a:rPr lang="en-US" dirty="0" smtClean="0"/>
-              <a:t>    </a:t>
-            </a:r>
-            <a:r>
-              <a:rPr lang="en-US" dirty="0" smtClean="0"/>
-              <a:t>if (!</a:t>
+              <a:t>    if (!</a:t>
             </a:r>
             <a:r>
               <a:rPr lang="en-US" dirty="0"/>
@@ -21560,21 +21781,8 @@
             <a:pPr lvl="1"/>
             <a:r>
               <a:rPr lang="en-US" dirty="0" smtClean="0"/>
-              <a:t>Optionally </a:t>
-            </a:r>
-            <a:r>
-              <a:rPr lang="en-US" dirty="0" smtClean="0"/>
-              <a:t>pass a </a:t>
-            </a:r>
-            <a:r>
-              <a:rPr lang="en-US" dirty="0" smtClean="0"/>
-              <a:t>stream </a:t>
-            </a:r>
-            <a:r>
-              <a:rPr lang="en-US" dirty="0" smtClean="0"/>
-              <a:t>instead of a URI</a:t>
-            </a:r>
-            <a:endParaRPr lang="en-US" dirty="0" smtClean="0"/>
+              <a:t>Optionally pass a stream instead of a URI</a:t>
+            </a:r>
           </a:p>
           <a:p>
             <a:r>
@@ -24784,7 +24992,6 @@
               <a:rPr lang="en-US" dirty="0" smtClean="0"/>
               <a:t>Support optional 256-bit AES encryption (currently in preview)</a:t>
             </a:r>
-            <a:endParaRPr lang="en-US" dirty="0" smtClean="0"/>
           </a:p>
         </p:txBody>
       </p:sp>
@@ -25080,7 +25287,6 @@
               <a:rPr lang="en-US" dirty="0" smtClean="0"/>
               <a:t>(key-value pairs)</a:t>
             </a:r>
-            <a:endParaRPr lang="en-US" dirty="0" smtClean="0"/>
           </a:p>
         </p:txBody>
       </p:sp>
